--- a/test/pptx/speaker-notes-after-metadata/deleted-layouts.pptx
+++ b/test/pptx/speaker-notes-after-metadata/deleted-layouts.pptx
@@ -3341,6 +3341,9 @@
   <p:clrMap accent1="accent1" accent2="accent2" accent3="accent3" accent4="accent4" accent5="accent5" accent6="accent6" bg1="dk1" bg2="dk2" folHlink="folHlink" hlink="hlink" tx1="lt1" tx2="lt2"/>
   <p:sldLayoutIdLst>
     <p:sldLayoutId id="2147483649" r:id="rId1"/>
+    <p:sldLayoutId id="2147483655" r:id="rId9"/>
+    <p:sldLayoutId id="2147483654" r:id="rId8"/>
+    <p:sldLayoutId id="2147483653" r:id="rId7"/>
     <p:sldLayoutId id="2147483652" r:id="rId6"/>
     <p:sldLayoutId id="2147483651" r:id="rId5"/>
     <p:sldLayoutId id="2147483650" r:id="rId4"/>

--- a/test/pptx/speaker-notes-after-metadata/deleted-layouts.pptx
+++ b/test/pptx/speaker-notes-after-metadata/deleted-layouts.pptx
@@ -5,7 +5,7 @@
     <p:sldMasterId id="2147483648" r:id="rId1"/>
   </p:sldMasterIdLst>
   <p:notesMasterIdLst>
-    <p:NotesMasterId r:id="rId4"/>
+    <p:notesMasterId r:id="rId4"/>
   </p:notesMasterIdLst>
   <p:sldIdLst>
     <p:sldId id="256" r:id="rId2"/>

--- a/test/pptx/speaker-notes-after-metadata/deleted-layouts.pptx
+++ b/test/pptx/speaker-notes-after-metadata/deleted-layouts.pptx
@@ -515,23 +515,7 @@
             </a:pPr>
             <a:r>
               <a:rPr/>
-              <a:t>Some</a:t>
-            </a:r>
-            <a:r>
-              <a:rPr/>
-              <a:t> </a:t>
-            </a:r>
-            <a:r>
-              <a:rPr/>
-              <a:t>speaker</a:t>
-            </a:r>
-            <a:r>
-              <a:rPr/>
-              <a:t> </a:t>
-            </a:r>
-            <a:r>
-              <a:rPr/>
-              <a:t>notes</a:t>
+              <a:t>Some speaker notes</a:t>
             </a:r>
           </a:p>
         </p:txBody>
@@ -3821,15 +3805,7 @@
             <a:br/>
             <a:r>
               <a:rPr/>
-              <a:t>Jesse</a:t>
-            </a:r>
-            <a:r>
-              <a:rPr/>
-              <a:t> </a:t>
-            </a:r>
-            <a:r>
-              <a:rPr/>
-              <a:t>Rosenthal</a:t>
+              <a:t>Jesse Rosenthal</a:t>
             </a:r>
           </a:p>
         </p:txBody>
@@ -3876,15 +3852,7 @@
             </a:pPr>
             <a:r>
               <a:rPr/>
-              <a:t>A</a:t>
-            </a:r>
-            <a:r>
-              <a:rPr/>
-              <a:t> </a:t>
-            </a:r>
-            <a:r>
-              <a:rPr/>
-              <a:t>header</a:t>
+              <a:t>A header</a:t>
             </a:r>
           </a:p>
         </p:txBody>

--- a/test/pptx/speaker-notes-after-metadata/deleted-layouts.pptx
+++ b/test/pptx/speaker-notes-after-metadata/deleted-layouts.pptx
@@ -515,19 +515,11 @@
             </a:pPr>
             <a:r>
               <a:rPr/>
-              <a:t>Some</a:t>
+              <a:t>Some </a:t>
             </a:r>
             <a:r>
               <a:rPr/>
-              <a:t> </a:t>
-            </a:r>
-            <a:r>
-              <a:rPr/>
-              <a:t>speaker</a:t>
-            </a:r>
-            <a:r>
-              <a:rPr/>
-              <a:t> </a:t>
+              <a:t>speaker </a:t>
             </a:r>
             <a:r>
               <a:rPr/>
@@ -3821,11 +3813,7 @@
             <a:br/>
             <a:r>
               <a:rPr/>
-              <a:t>Jesse</a:t>
-            </a:r>
-            <a:r>
-              <a:rPr/>
-              <a:t> </a:t>
+              <a:t>Jesse </a:t>
             </a:r>
             <a:r>
               <a:rPr/>
@@ -3876,11 +3864,7 @@
             </a:pPr>
             <a:r>
               <a:rPr/>
-              <a:t>A</a:t>
-            </a:r>
-            <a:r>
-              <a:rPr/>
-              <a:t> </a:t>
+              <a:t>A </a:t>
             </a:r>
             <a:r>
               <a:rPr/>

--- a/test/pptx/speaker-notes-after-metadata/deleted-layouts.pptx
+++ b/test/pptx/speaker-notes-after-metadata/deleted-layouts.pptx
@@ -515,11 +515,19 @@
             </a:pPr>
             <a:r>
               <a:rPr/>
-              <a:t>Some </a:t>
+              <a:t>Some</a:t>
             </a:r>
             <a:r>
               <a:rPr/>
-              <a:t>speaker </a:t>
+              <a:t> </a:t>
+            </a:r>
+            <a:r>
+              <a:rPr/>
+              <a:t>speaker</a:t>
+            </a:r>
+            <a:r>
+              <a:rPr/>
+              <a:t> </a:t>
             </a:r>
             <a:r>
               <a:rPr/>
@@ -3813,7 +3821,11 @@
             <a:br/>
             <a:r>
               <a:rPr/>
-              <a:t>Jesse </a:t>
+              <a:t>Jesse</a:t>
+            </a:r>
+            <a:r>
+              <a:rPr/>
+              <a:t> </a:t>
             </a:r>
             <a:r>
               <a:rPr/>
@@ -3864,7 +3876,11 @@
             </a:pPr>
             <a:r>
               <a:rPr/>
-              <a:t>A </a:t>
+              <a:t>A</a:t>
+            </a:r>
+            <a:r>
+              <a:rPr/>
+              <a:t> </a:t>
             </a:r>
             <a:r>
               <a:rPr/>
